--- a/Design.pptx
+++ b/Design.pptx
@@ -258,7 +258,7 @@
           <a:p>
             <a:fld id="{39E4DBD3-7EC2-4EC1-89E6-AD88DAB20D45}" type="datetimeFigureOut">
               <a:rPr lang="en-IN" smtClean="0"/>
-              <a:t>22-04-2022</a:t>
+              <a:t>09-05-2022</a:t>
             </a:fld>
             <a:endParaRPr lang="en-IN"/>
           </a:p>
@@ -428,7 +428,7 @@
           <a:p>
             <a:fld id="{39E4DBD3-7EC2-4EC1-89E6-AD88DAB20D45}" type="datetimeFigureOut">
               <a:rPr lang="en-IN" smtClean="0"/>
-              <a:t>22-04-2022</a:t>
+              <a:t>09-05-2022</a:t>
             </a:fld>
             <a:endParaRPr lang="en-IN"/>
           </a:p>
@@ -608,7 +608,7 @@
           <a:p>
             <a:fld id="{39E4DBD3-7EC2-4EC1-89E6-AD88DAB20D45}" type="datetimeFigureOut">
               <a:rPr lang="en-IN" smtClean="0"/>
-              <a:t>22-04-2022</a:t>
+              <a:t>09-05-2022</a:t>
             </a:fld>
             <a:endParaRPr lang="en-IN"/>
           </a:p>
@@ -778,7 +778,7 @@
           <a:p>
             <a:fld id="{39E4DBD3-7EC2-4EC1-89E6-AD88DAB20D45}" type="datetimeFigureOut">
               <a:rPr lang="en-IN" smtClean="0"/>
-              <a:t>22-04-2022</a:t>
+              <a:t>09-05-2022</a:t>
             </a:fld>
             <a:endParaRPr lang="en-IN"/>
           </a:p>
@@ -1024,7 +1024,7 @@
           <a:p>
             <a:fld id="{39E4DBD3-7EC2-4EC1-89E6-AD88DAB20D45}" type="datetimeFigureOut">
               <a:rPr lang="en-IN" smtClean="0"/>
-              <a:t>22-04-2022</a:t>
+              <a:t>09-05-2022</a:t>
             </a:fld>
             <a:endParaRPr lang="en-IN"/>
           </a:p>
@@ -1256,7 +1256,7 @@
           <a:p>
             <a:fld id="{39E4DBD3-7EC2-4EC1-89E6-AD88DAB20D45}" type="datetimeFigureOut">
               <a:rPr lang="en-IN" smtClean="0"/>
-              <a:t>22-04-2022</a:t>
+              <a:t>09-05-2022</a:t>
             </a:fld>
             <a:endParaRPr lang="en-IN"/>
           </a:p>
@@ -1623,7 +1623,7 @@
           <a:p>
             <a:fld id="{39E4DBD3-7EC2-4EC1-89E6-AD88DAB20D45}" type="datetimeFigureOut">
               <a:rPr lang="en-IN" smtClean="0"/>
-              <a:t>22-04-2022</a:t>
+              <a:t>09-05-2022</a:t>
             </a:fld>
             <a:endParaRPr lang="en-IN"/>
           </a:p>
@@ -1741,7 +1741,7 @@
           <a:p>
             <a:fld id="{39E4DBD3-7EC2-4EC1-89E6-AD88DAB20D45}" type="datetimeFigureOut">
               <a:rPr lang="en-IN" smtClean="0"/>
-              <a:t>22-04-2022</a:t>
+              <a:t>09-05-2022</a:t>
             </a:fld>
             <a:endParaRPr lang="en-IN"/>
           </a:p>
@@ -1836,7 +1836,7 @@
           <a:p>
             <a:fld id="{39E4DBD3-7EC2-4EC1-89E6-AD88DAB20D45}" type="datetimeFigureOut">
               <a:rPr lang="en-IN" smtClean="0"/>
-              <a:t>22-04-2022</a:t>
+              <a:t>09-05-2022</a:t>
             </a:fld>
             <a:endParaRPr lang="en-IN"/>
           </a:p>
@@ -2113,7 +2113,7 @@
           <a:p>
             <a:fld id="{39E4DBD3-7EC2-4EC1-89E6-AD88DAB20D45}" type="datetimeFigureOut">
               <a:rPr lang="en-IN" smtClean="0"/>
-              <a:t>22-04-2022</a:t>
+              <a:t>09-05-2022</a:t>
             </a:fld>
             <a:endParaRPr lang="en-IN"/>
           </a:p>
@@ -2366,7 +2366,7 @@
           <a:p>
             <a:fld id="{39E4DBD3-7EC2-4EC1-89E6-AD88DAB20D45}" type="datetimeFigureOut">
               <a:rPr lang="en-IN" smtClean="0"/>
-              <a:t>22-04-2022</a:t>
+              <a:t>09-05-2022</a:t>
             </a:fld>
             <a:endParaRPr lang="en-IN"/>
           </a:p>
@@ -2579,7 +2579,7 @@
           <a:p>
             <a:fld id="{39E4DBD3-7EC2-4EC1-89E6-AD88DAB20D45}" type="datetimeFigureOut">
               <a:rPr lang="en-IN" smtClean="0"/>
-              <a:t>22-04-2022</a:t>
+              <a:t>09-05-2022</a:t>
             </a:fld>
             <a:endParaRPr lang="en-IN"/>
           </a:p>
@@ -3118,8 +3118,8 @@
         </p:blipFill>
         <p:spPr>
           <a:xfrm>
-            <a:off x="765175" y="1579564"/>
-            <a:ext cx="2143125" cy="1706562"/>
+            <a:off x="765175" y="947736"/>
+            <a:ext cx="2486025" cy="1966913"/>
           </a:xfrm>
           <a:prstGeom prst="rect">
             <a:avLst/>
@@ -3144,6 +3144,78 @@
           <a:xfrm>
             <a:off x="3871912" y="947737"/>
             <a:ext cx="2955744" cy="1966913"/>
+          </a:xfrm>
+          <a:prstGeom prst="rect">
+            <a:avLst/>
+          </a:prstGeom>
+        </p:spPr>
+      </p:pic>
+      <p:pic>
+        <p:nvPicPr>
+          <p:cNvPr id="3" name="Picture 2"/>
+          <p:cNvPicPr>
+            <a:picLocks noChangeAspect="1"/>
+          </p:cNvPicPr>
+          <p:nvPr/>
+        </p:nvPicPr>
+        <p:blipFill>
+          <a:blip r:embed="rId4"/>
+          <a:stretch>
+            <a:fillRect/>
+          </a:stretch>
+        </p:blipFill>
+        <p:spPr>
+          <a:xfrm>
+            <a:off x="7659687" y="947736"/>
+            <a:ext cx="3167063" cy="1966913"/>
+          </a:xfrm>
+          <a:prstGeom prst="rect">
+            <a:avLst/>
+          </a:prstGeom>
+        </p:spPr>
+      </p:pic>
+      <p:pic>
+        <p:nvPicPr>
+          <p:cNvPr id="6" name="Picture 5"/>
+          <p:cNvPicPr>
+            <a:picLocks noChangeAspect="1"/>
+          </p:cNvPicPr>
+          <p:nvPr/>
+        </p:nvPicPr>
+        <p:blipFill>
+          <a:blip r:embed="rId5"/>
+          <a:stretch>
+            <a:fillRect/>
+          </a:stretch>
+        </p:blipFill>
+        <p:spPr>
+          <a:xfrm>
+            <a:off x="1972733" y="3711044"/>
+            <a:ext cx="3090334" cy="2003955"/>
+          </a:xfrm>
+          <a:prstGeom prst="rect">
+            <a:avLst/>
+          </a:prstGeom>
+        </p:spPr>
+      </p:pic>
+      <p:pic>
+        <p:nvPicPr>
+          <p:cNvPr id="8" name="Picture 7"/>
+          <p:cNvPicPr>
+            <a:picLocks noChangeAspect="1"/>
+          </p:cNvPicPr>
+          <p:nvPr/>
+        </p:nvPicPr>
+        <p:blipFill>
+          <a:blip r:embed="rId6"/>
+          <a:stretch>
+            <a:fillRect/>
+          </a:stretch>
+        </p:blipFill>
+        <p:spPr>
+          <a:xfrm>
+            <a:off x="6759046" y="3747557"/>
+            <a:ext cx="2955744" cy="1930930"/>
           </a:xfrm>
           <a:prstGeom prst="rect">
             <a:avLst/>
